--- a/Operating System.pptx
+++ b/Operating System.pptx
@@ -5,15 +5,18 @@
     <p:sldMasterId id="2147483648" r:id="rId1"/>
   </p:sldMasterIdLst>
   <p:notesMasterIdLst>
-    <p:notesMasterId r:id="rId8"/>
+    <p:notesMasterId r:id="rId11"/>
   </p:notesMasterIdLst>
   <p:sldIdLst>
     <p:sldId id="256" r:id="rId2"/>
     <p:sldId id="257" r:id="rId3"/>
-    <p:sldId id="258" r:id="rId4"/>
-    <p:sldId id="259" r:id="rId5"/>
-    <p:sldId id="260" r:id="rId6"/>
-    <p:sldId id="261" r:id="rId7"/>
+    <p:sldId id="262" r:id="rId4"/>
+    <p:sldId id="258" r:id="rId5"/>
+    <p:sldId id="263" r:id="rId6"/>
+    <p:sldId id="259" r:id="rId7"/>
+    <p:sldId id="264" r:id="rId8"/>
+    <p:sldId id="260" r:id="rId9"/>
+    <p:sldId id="261" r:id="rId10"/>
   </p:sldIdLst>
   <p:sldSz cx="12192000" cy="6858000"/>
   <p:notesSz cx="6858000" cy="9144000"/>
@@ -202,7 +205,7 @@
           <a:p>
             <a:fld id="{F68985D2-B2D8-463D-ACA5-5FF47B8F74B7}" type="datetimeFigureOut">
               <a:rPr lang="en-US" smtClean="0"/>
-              <a:t>2/26/2018</a:t>
+              <a:t>2/27/2018</a:t>
             </a:fld>
             <a:endParaRPr lang="en-US"/>
           </a:p>
@@ -542,7 +545,7 @@
           <a:p>
             <a:fld id="{253DCA2A-EDE5-46BA-AD73-75FA9C06BAC9}" type="slidenum">
               <a:rPr lang="en-US" smtClean="0"/>
-              <a:t>3</a:t>
+              <a:t>4</a:t>
             </a:fld>
             <a:endParaRPr lang="en-US"/>
           </a:p>
@@ -630,7 +633,7 @@
           <a:p>
             <a:fld id="{253DCA2A-EDE5-46BA-AD73-75FA9C06BAC9}" type="slidenum">
               <a:rPr lang="en-US" smtClean="0"/>
-              <a:t>4</a:t>
+              <a:t>6</a:t>
             </a:fld>
             <a:endParaRPr lang="en-US"/>
           </a:p>
@@ -780,7 +783,7 @@
           <a:p>
             <a:fld id="{C68810DC-EA8E-4926-9719-2732E2A8C802}" type="datetimeFigureOut">
               <a:rPr lang="en-US" smtClean="0"/>
-              <a:t>2/26/2018</a:t>
+              <a:t>2/27/2018</a:t>
             </a:fld>
             <a:endParaRPr lang="en-US"/>
           </a:p>
@@ -950,7 +953,7 @@
           <a:p>
             <a:fld id="{C68810DC-EA8E-4926-9719-2732E2A8C802}" type="datetimeFigureOut">
               <a:rPr lang="en-US" smtClean="0"/>
-              <a:t>2/26/2018</a:t>
+              <a:t>2/27/2018</a:t>
             </a:fld>
             <a:endParaRPr lang="en-US"/>
           </a:p>
@@ -1130,7 +1133,7 @@
           <a:p>
             <a:fld id="{C68810DC-EA8E-4926-9719-2732E2A8C802}" type="datetimeFigureOut">
               <a:rPr lang="en-US" smtClean="0"/>
-              <a:t>2/26/2018</a:t>
+              <a:t>2/27/2018</a:t>
             </a:fld>
             <a:endParaRPr lang="en-US"/>
           </a:p>
@@ -1300,7 +1303,7 @@
           <a:p>
             <a:fld id="{C68810DC-EA8E-4926-9719-2732E2A8C802}" type="datetimeFigureOut">
               <a:rPr lang="en-US" smtClean="0"/>
-              <a:t>2/26/2018</a:t>
+              <a:t>2/27/2018</a:t>
             </a:fld>
             <a:endParaRPr lang="en-US"/>
           </a:p>
@@ -1546,7 +1549,7 @@
           <a:p>
             <a:fld id="{C68810DC-EA8E-4926-9719-2732E2A8C802}" type="datetimeFigureOut">
               <a:rPr lang="en-US" smtClean="0"/>
-              <a:t>2/26/2018</a:t>
+              <a:t>2/27/2018</a:t>
             </a:fld>
             <a:endParaRPr lang="en-US"/>
           </a:p>
@@ -1778,7 +1781,7 @@
           <a:p>
             <a:fld id="{C68810DC-EA8E-4926-9719-2732E2A8C802}" type="datetimeFigureOut">
               <a:rPr lang="en-US" smtClean="0"/>
-              <a:t>2/26/2018</a:t>
+              <a:t>2/27/2018</a:t>
             </a:fld>
             <a:endParaRPr lang="en-US"/>
           </a:p>
@@ -2145,7 +2148,7 @@
           <a:p>
             <a:fld id="{C68810DC-EA8E-4926-9719-2732E2A8C802}" type="datetimeFigureOut">
               <a:rPr lang="en-US" smtClean="0"/>
-              <a:t>2/26/2018</a:t>
+              <a:t>2/27/2018</a:t>
             </a:fld>
             <a:endParaRPr lang="en-US"/>
           </a:p>
@@ -2263,7 +2266,7 @@
           <a:p>
             <a:fld id="{C68810DC-EA8E-4926-9719-2732E2A8C802}" type="datetimeFigureOut">
               <a:rPr lang="en-US" smtClean="0"/>
-              <a:t>2/26/2018</a:t>
+              <a:t>2/27/2018</a:t>
             </a:fld>
             <a:endParaRPr lang="en-US"/>
           </a:p>
@@ -2358,7 +2361,7 @@
           <a:p>
             <a:fld id="{C68810DC-EA8E-4926-9719-2732E2A8C802}" type="datetimeFigureOut">
               <a:rPr lang="en-US" smtClean="0"/>
-              <a:t>2/26/2018</a:t>
+              <a:t>2/27/2018</a:t>
             </a:fld>
             <a:endParaRPr lang="en-US"/>
           </a:p>
@@ -2635,7 +2638,7 @@
           <a:p>
             <a:fld id="{C68810DC-EA8E-4926-9719-2732E2A8C802}" type="datetimeFigureOut">
               <a:rPr lang="en-US" smtClean="0"/>
-              <a:t>2/26/2018</a:t>
+              <a:t>2/27/2018</a:t>
             </a:fld>
             <a:endParaRPr lang="en-US"/>
           </a:p>
@@ -2888,7 +2891,7 @@
           <a:p>
             <a:fld id="{C68810DC-EA8E-4926-9719-2732E2A8C802}" type="datetimeFigureOut">
               <a:rPr lang="en-US" smtClean="0"/>
-              <a:t>2/26/2018</a:t>
+              <a:t>2/27/2018</a:t>
             </a:fld>
             <a:endParaRPr lang="en-US"/>
           </a:p>
@@ -3101,7 +3104,7 @@
           <a:p>
             <a:fld id="{C68810DC-EA8E-4926-9719-2732E2A8C802}" type="datetimeFigureOut">
               <a:rPr lang="en-US" smtClean="0"/>
-              <a:t>2/26/2018</a:t>
+              <a:t>2/27/2018</a:t>
             </a:fld>
             <a:endParaRPr lang="en-US"/>
           </a:p>
@@ -3773,97 +3776,40 @@
           <a:bodyPr/>
           <a:lstStyle/>
           <a:p>
-            <a:r>
-              <a:rPr lang="en-US" dirty="0" smtClean="0"/>
-              <a:t>Process</a:t>
-            </a:r>
-            <a:endParaRPr lang="en-US" dirty="0"/>
-          </a:p>
-        </p:txBody>
-      </p:sp>
-      <p:sp>
-        <p:nvSpPr>
-          <p:cNvPr id="3" name="Content Placeholder 2"/>
-          <p:cNvSpPr>
-            <a:spLocks noGrp="1"/>
-          </p:cNvSpPr>
+            <a:endParaRPr lang="en-US"/>
+          </a:p>
+        </p:txBody>
+      </p:sp>
+      <p:pic>
+        <p:nvPicPr>
+          <p:cNvPr id="4" name="Content Placeholder 3"/>
+          <p:cNvPicPr>
+            <a:picLocks noGrp="1" noChangeAspect="1"/>
+          </p:cNvPicPr>
           <p:nvPr>
             <p:ph idx="1"/>
           </p:nvPr>
-        </p:nvSpPr>
-        <p:spPr/>
-        <p:txBody>
-          <a:bodyPr/>
-          <a:lstStyle/>
-          <a:p>
-            <a:r>
-              <a:rPr lang="en-US" dirty="0" smtClean="0"/>
-              <a:t>Set of resources to execute a program</a:t>
-            </a:r>
-          </a:p>
-          <a:p>
-            <a:r>
-              <a:rPr lang="en-US" dirty="0" smtClean="0"/>
-              <a:t>Process Consists of:</a:t>
-            </a:r>
-          </a:p>
-          <a:p>
-            <a:pPr lvl="1"/>
-            <a:r>
-              <a:rPr lang="en-US" dirty="0" smtClean="0"/>
-              <a:t>Private Virtual address space</a:t>
-            </a:r>
-          </a:p>
-          <a:p>
-            <a:pPr lvl="1"/>
-            <a:r>
-              <a:rPr lang="en-US" dirty="0" smtClean="0"/>
-              <a:t>An executable program</a:t>
-            </a:r>
-          </a:p>
-          <a:p>
-            <a:pPr lvl="1"/>
-            <a:r>
-              <a:rPr lang="en-US" dirty="0" smtClean="0"/>
-              <a:t>Table of handles to various kernel Object(e.g. File Handle)</a:t>
-            </a:r>
-          </a:p>
-          <a:p>
-            <a:pPr lvl="1"/>
-            <a:r>
-              <a:rPr lang="en-US" dirty="0" smtClean="0"/>
-              <a:t>Security </a:t>
-            </a:r>
-            <a:r>
-              <a:rPr lang="en-US" dirty="0" err="1" smtClean="0"/>
-              <a:t>Conext</a:t>
-            </a:r>
-            <a:r>
-              <a:rPr lang="en-US" dirty="0" smtClean="0"/>
-              <a:t> e.g. has some identity</a:t>
-            </a:r>
-          </a:p>
-          <a:p>
-            <a:pPr lvl="1"/>
-            <a:r>
-              <a:rPr lang="en-US" dirty="0" smtClean="0"/>
-              <a:t>One or more thread that execute code</a:t>
-            </a:r>
-          </a:p>
-          <a:p>
-            <a:pPr lvl="1"/>
-            <a:r>
-              <a:rPr lang="en-US" dirty="0" smtClean="0"/>
-              <a:t>Optional message queue</a:t>
-            </a:r>
-            <a:endParaRPr lang="en-US" dirty="0"/>
-          </a:p>
-        </p:txBody>
-      </p:sp>
+        </p:nvPicPr>
+        <p:blipFill>
+          <a:blip r:embed="rId2"/>
+          <a:stretch>
+            <a:fillRect/>
+          </a:stretch>
+        </p:blipFill>
+        <p:spPr>
+          <a:xfrm>
+            <a:off x="1733856" y="1825625"/>
+            <a:ext cx="8724288" cy="4351338"/>
+          </a:xfrm>
+          <a:prstGeom prst="rect">
+            <a:avLst/>
+          </a:prstGeom>
+        </p:spPr>
+      </p:pic>
     </p:spTree>
     <p:extLst>
       <p:ext uri="{BB962C8B-B14F-4D97-AF65-F5344CB8AC3E}">
-        <p14:creationId xmlns:p14="http://schemas.microsoft.com/office/powerpoint/2010/main" val="1380585920"/>
+        <p14:creationId xmlns:p14="http://schemas.microsoft.com/office/powerpoint/2010/main" val="3657964727"/>
       </p:ext>
     </p:extLst>
   </p:cSld>
@@ -3907,7 +3853,7 @@
           <a:p>
             <a:r>
               <a:rPr lang="en-US" dirty="0" smtClean="0"/>
-              <a:t>Threads</a:t>
+              <a:t>Process</a:t>
             </a:r>
             <a:endParaRPr lang="en-US" dirty="0"/>
           </a:p>
@@ -3925,64 +3871,130 @@
         </p:nvSpPr>
         <p:spPr/>
         <p:txBody>
-          <a:bodyPr/>
+          <a:bodyPr>
+            <a:normAutofit lnSpcReduction="10000"/>
+          </a:bodyPr>
           <a:lstStyle/>
           <a:p>
             <a:r>
               <a:rPr lang="en-US" dirty="0" smtClean="0"/>
-              <a:t>Entity that is scheduled by kernel to execute code</a:t>
+              <a:t>Set of resources to execute a program</a:t>
             </a:r>
           </a:p>
           <a:p>
             <a:r>
               <a:rPr lang="en-US" dirty="0" smtClean="0"/>
-              <a:t>Contains:</a:t>
+              <a:t>Process Consists of:</a:t>
             </a:r>
           </a:p>
           <a:p>
             <a:pPr lvl="1"/>
             <a:r>
               <a:rPr lang="en-US" dirty="0" smtClean="0"/>
-              <a:t>State of CPU registers</a:t>
-            </a:r>
+              <a:t>Private Virtual address </a:t>
+            </a:r>
+            <a:r>
+              <a:rPr lang="en-US" dirty="0" smtClean="0"/>
+              <a:t>space(2GB on 32 bit,8TB in 64 bit)</a:t>
+            </a:r>
+            <a:endParaRPr lang="en-US" dirty="0" smtClean="0"/>
           </a:p>
           <a:p>
             <a:pPr lvl="1"/>
             <a:r>
               <a:rPr lang="en-US" dirty="0" smtClean="0"/>
-              <a:t>Current access mode(User mode or kernel mode)</a:t>
+              <a:t>An executable program</a:t>
             </a:r>
           </a:p>
           <a:p>
             <a:pPr lvl="1"/>
             <a:r>
               <a:rPr lang="en-US" dirty="0" smtClean="0"/>
-              <a:t>2 stacks one in user space and another in kernel space</a:t>
+              <a:t>Table of handles to various kernel Object(e.g. File Handle)</a:t>
             </a:r>
           </a:p>
           <a:p>
             <a:pPr lvl="1"/>
             <a:r>
               <a:rPr lang="en-US" dirty="0" smtClean="0"/>
-              <a:t>A Private storage area, called thread local storage(TLS)</a:t>
+              <a:t>Security </a:t>
+            </a:r>
+            <a:r>
+              <a:rPr lang="en-US" dirty="0" smtClean="0"/>
+              <a:t>Context </a:t>
+            </a:r>
+            <a:r>
+              <a:rPr lang="en-US" dirty="0" smtClean="0"/>
+              <a:t>e.g. has some identity</a:t>
             </a:r>
           </a:p>
           <a:p>
             <a:pPr lvl="1"/>
             <a:r>
               <a:rPr lang="en-US" dirty="0" smtClean="0"/>
-              <a:t>A priority, used in thread scheduling</a:t>
+              <a:t>One or more thread that execute code</a:t>
             </a:r>
           </a:p>
           <a:p>
             <a:pPr lvl="1"/>
             <a:r>
               <a:rPr lang="en-US" dirty="0" smtClean="0"/>
-              <a:t>Various state :Running ,ready, waiting</a:t>
+              <a:t>Optional message </a:t>
+            </a:r>
+            <a:r>
+              <a:rPr lang="en-US" dirty="0" smtClean="0"/>
+              <a:t>queue</a:t>
+            </a:r>
+          </a:p>
+          <a:p>
+            <a:r>
+              <a:rPr lang="en-US" dirty="0" smtClean="0"/>
+              <a:t>Terminate when</a:t>
             </a:r>
           </a:p>
           <a:p>
             <a:pPr lvl="1"/>
+            <a:r>
+              <a:rPr lang="en-US" dirty="0" smtClean="0"/>
+              <a:t>One </a:t>
+            </a:r>
+            <a:r>
+              <a:rPr lang="en-US" dirty="0"/>
+              <a:t>of the threads calls </a:t>
+            </a:r>
+            <a:r>
+              <a:rPr lang="en-US" b="1" dirty="0" err="1"/>
+              <a:t>ExitProcess</a:t>
+            </a:r>
+            <a:r>
+              <a:rPr lang="en-US" dirty="0"/>
+              <a:t>(Win32)</a:t>
+            </a:r>
+          </a:p>
+          <a:p>
+            <a:pPr lvl="1"/>
+            <a:r>
+              <a:rPr lang="en-US" dirty="0"/>
+              <a:t>Killed with </a:t>
+            </a:r>
+            <a:r>
+              <a:rPr lang="en-US" b="1" dirty="0" err="1"/>
+              <a:t>TerminateProcess</a:t>
+            </a:r>
+            <a:r>
+              <a:rPr lang="en-US" dirty="0"/>
+              <a:t>(Win32)</a:t>
+            </a:r>
+          </a:p>
+          <a:p>
+            <a:pPr lvl="1"/>
+            <a:endParaRPr lang="en-US" dirty="0"/>
+          </a:p>
+          <a:p>
+            <a:pPr lvl="1"/>
+            <a:endParaRPr lang="en-US" dirty="0"/>
+          </a:p>
+          <a:p>
             <a:endParaRPr lang="en-US" dirty="0"/>
           </a:p>
         </p:txBody>
@@ -3990,7 +4002,7 @@
     </p:spTree>
     <p:extLst>
       <p:ext uri="{BB962C8B-B14F-4D97-AF65-F5344CB8AC3E}">
-        <p14:creationId xmlns:p14="http://schemas.microsoft.com/office/powerpoint/2010/main" val="2883929205"/>
+        <p14:creationId xmlns:p14="http://schemas.microsoft.com/office/powerpoint/2010/main" val="1380585920"/>
       </p:ext>
     </p:extLst>
   </p:cSld>
@@ -4034,7 +4046,7 @@
           <a:p>
             <a:r>
               <a:rPr lang="en-US" dirty="0" smtClean="0"/>
-              <a:t>Virtual Memory</a:t>
+              <a:t>DEMO – Process Creation</a:t>
             </a:r>
             <a:endParaRPr lang="en-US" dirty="0"/>
           </a:p>
@@ -4055,36 +4067,6 @@
           <a:bodyPr/>
           <a:lstStyle/>
           <a:p>
-            <a:r>
-              <a:rPr lang="en-US" dirty="0" smtClean="0"/>
-              <a:t>Each process “sees” a flat linear memory</a:t>
-            </a:r>
-          </a:p>
-          <a:p>
-            <a:r>
-              <a:rPr lang="en-US" dirty="0" smtClean="0"/>
-              <a:t>Internally ,virtual memory may be mapped to physical memory but may be stored in disk</a:t>
-            </a:r>
-          </a:p>
-          <a:p>
-            <a:r>
-              <a:rPr lang="en-US" dirty="0" smtClean="0"/>
-              <a:t>Processes access memory regardless of where it actually resides</a:t>
-            </a:r>
-          </a:p>
-          <a:p>
-            <a:pPr lvl="1"/>
-            <a:r>
-              <a:rPr lang="en-US" dirty="0" smtClean="0"/>
-              <a:t>Memory manager handles mapping of virtual -&gt; Physical</a:t>
-            </a:r>
-          </a:p>
-          <a:p>
-            <a:pPr lvl="1"/>
-            <a:r>
-              <a:rPr lang="en-US" dirty="0" smtClean="0"/>
-              <a:t>Processes can’t (and need not) know actual physical address of a given address in virtual memory</a:t>
-            </a:r>
             <a:endParaRPr lang="en-US" dirty="0"/>
           </a:p>
         </p:txBody>
@@ -4092,7 +4074,7 @@
     </p:spTree>
     <p:extLst>
       <p:ext uri="{BB962C8B-B14F-4D97-AF65-F5344CB8AC3E}">
-        <p14:creationId xmlns:p14="http://schemas.microsoft.com/office/powerpoint/2010/main" val="1608226989"/>
+        <p14:creationId xmlns:p14="http://schemas.microsoft.com/office/powerpoint/2010/main" val="1383488749"/>
       </p:ext>
     </p:extLst>
   </p:cSld>
@@ -4136,6 +4118,331 @@
           <a:p>
             <a:r>
               <a:rPr lang="en-US" dirty="0" smtClean="0"/>
+              <a:t>Threads</a:t>
+            </a:r>
+            <a:endParaRPr lang="en-US" dirty="0"/>
+          </a:p>
+        </p:txBody>
+      </p:sp>
+      <p:sp>
+        <p:nvSpPr>
+          <p:cNvPr id="3" name="Content Placeholder 2"/>
+          <p:cNvSpPr>
+            <a:spLocks noGrp="1"/>
+          </p:cNvSpPr>
+          <p:nvPr>
+            <p:ph idx="1"/>
+          </p:nvPr>
+        </p:nvSpPr>
+        <p:spPr/>
+        <p:txBody>
+          <a:bodyPr/>
+          <a:lstStyle/>
+          <a:p>
+            <a:r>
+              <a:rPr lang="en-US" dirty="0" smtClean="0"/>
+              <a:t>Entity that is scheduled by kernel to execute code</a:t>
+            </a:r>
+          </a:p>
+          <a:p>
+            <a:r>
+              <a:rPr lang="en-US" dirty="0" smtClean="0"/>
+              <a:t>Contains:</a:t>
+            </a:r>
+          </a:p>
+          <a:p>
+            <a:pPr lvl="1"/>
+            <a:r>
+              <a:rPr lang="en-US" dirty="0" smtClean="0"/>
+              <a:t>State of CPU registers</a:t>
+            </a:r>
+          </a:p>
+          <a:p>
+            <a:pPr lvl="1"/>
+            <a:r>
+              <a:rPr lang="en-US" dirty="0" smtClean="0"/>
+              <a:t>Current access mode(User mode or kernel mode)</a:t>
+            </a:r>
+          </a:p>
+          <a:p>
+            <a:pPr lvl="1"/>
+            <a:r>
+              <a:rPr lang="en-US" dirty="0" smtClean="0"/>
+              <a:t>2 stacks one in user space and another in kernel space</a:t>
+            </a:r>
+          </a:p>
+          <a:p>
+            <a:pPr lvl="1"/>
+            <a:r>
+              <a:rPr lang="en-US" dirty="0" smtClean="0"/>
+              <a:t>A Private storage area, called thread local storage(TLS)</a:t>
+            </a:r>
+          </a:p>
+          <a:p>
+            <a:pPr lvl="1"/>
+            <a:r>
+              <a:rPr lang="en-US" dirty="0" smtClean="0"/>
+              <a:t>A priority, used in thread scheduling</a:t>
+            </a:r>
+          </a:p>
+          <a:p>
+            <a:pPr lvl="1"/>
+            <a:r>
+              <a:rPr lang="en-US" dirty="0" smtClean="0"/>
+              <a:t>Various state :Running ,ready, waiting</a:t>
+            </a:r>
+          </a:p>
+          <a:p>
+            <a:pPr lvl="1"/>
+            <a:endParaRPr lang="en-US" dirty="0"/>
+          </a:p>
+        </p:txBody>
+      </p:sp>
+    </p:spTree>
+    <p:extLst>
+      <p:ext uri="{BB962C8B-B14F-4D97-AF65-F5344CB8AC3E}">
+        <p14:creationId xmlns:p14="http://schemas.microsoft.com/office/powerpoint/2010/main" val="2883929205"/>
+      </p:ext>
+    </p:extLst>
+  </p:cSld>
+  <p:clrMapOvr>
+    <a:masterClrMapping/>
+  </p:clrMapOvr>
+</p:sld>
+</file>
+
+<file path=ppt/slides/slide7.xml><?xml version="1.0" encoding="utf-8"?>
+<p:sld xmlns:a="http://schemas.openxmlformats.org/drawingml/2006/main" xmlns:r="http://schemas.openxmlformats.org/officeDocument/2006/relationships" xmlns:p="http://schemas.openxmlformats.org/presentationml/2006/main">
+  <p:cSld>
+    <p:spTree>
+      <p:nvGrpSpPr>
+        <p:cNvPr id="1" name=""/>
+        <p:cNvGrpSpPr/>
+        <p:nvPr/>
+      </p:nvGrpSpPr>
+      <p:grpSpPr>
+        <a:xfrm>
+          <a:off x="0" y="0"/>
+          <a:ext cx="0" cy="0"/>
+          <a:chOff x="0" y="0"/>
+          <a:chExt cx="0" cy="0"/>
+        </a:xfrm>
+      </p:grpSpPr>
+      <p:sp>
+        <p:nvSpPr>
+          <p:cNvPr id="2" name="Title 1"/>
+          <p:cNvSpPr>
+            <a:spLocks noGrp="1"/>
+          </p:cNvSpPr>
+          <p:nvPr>
+            <p:ph type="title"/>
+          </p:nvPr>
+        </p:nvSpPr>
+        <p:spPr/>
+        <p:txBody>
+          <a:bodyPr/>
+          <a:lstStyle/>
+          <a:p>
+            <a:r>
+              <a:rPr lang="en-US" dirty="0" smtClean="0"/>
+              <a:t>Thread Internals</a:t>
+            </a:r>
+            <a:endParaRPr lang="en-US" dirty="0"/>
+          </a:p>
+        </p:txBody>
+      </p:sp>
+      <p:sp>
+        <p:nvSpPr>
+          <p:cNvPr id="3" name="Content Placeholder 2"/>
+          <p:cNvSpPr>
+            <a:spLocks noGrp="1"/>
+          </p:cNvSpPr>
+          <p:nvPr>
+            <p:ph idx="1"/>
+          </p:nvPr>
+        </p:nvSpPr>
+        <p:spPr/>
+        <p:txBody>
+          <a:bodyPr/>
+          <a:lstStyle/>
+          <a:p>
+            <a:r>
+              <a:rPr lang="en-US" dirty="0"/>
+              <a:t>How to Create and Start a </a:t>
+            </a:r>
+            <a:r>
+              <a:rPr lang="en-US" dirty="0" smtClean="0"/>
+              <a:t>Thread</a:t>
+            </a:r>
+          </a:p>
+          <a:p>
+            <a:r>
+              <a:rPr lang="en-US" dirty="0" smtClean="0"/>
+              <a:t>Schedules Threads</a:t>
+            </a:r>
+          </a:p>
+          <a:p>
+            <a:r>
+              <a:rPr lang="en-US" dirty="0" smtClean="0"/>
+              <a:t>Thread </a:t>
+            </a:r>
+            <a:r>
+              <a:rPr lang="en-US" dirty="0"/>
+              <a:t>Priorities</a:t>
+            </a:r>
+            <a:endParaRPr lang="en-US" dirty="0"/>
+          </a:p>
+        </p:txBody>
+      </p:sp>
+    </p:spTree>
+    <p:extLst>
+      <p:ext uri="{BB962C8B-B14F-4D97-AF65-F5344CB8AC3E}">
+        <p14:creationId xmlns:p14="http://schemas.microsoft.com/office/powerpoint/2010/main" val="1226988512"/>
+      </p:ext>
+    </p:extLst>
+  </p:cSld>
+  <p:clrMapOvr>
+    <a:masterClrMapping/>
+  </p:clrMapOvr>
+</p:sld>
+</file>
+
+<file path=ppt/slides/slide8.xml><?xml version="1.0" encoding="utf-8"?>
+<p:sld xmlns:a="http://schemas.openxmlformats.org/drawingml/2006/main" xmlns:r="http://schemas.openxmlformats.org/officeDocument/2006/relationships" xmlns:p="http://schemas.openxmlformats.org/presentationml/2006/main">
+  <p:cSld>
+    <p:spTree>
+      <p:nvGrpSpPr>
+        <p:cNvPr id="1" name=""/>
+        <p:cNvGrpSpPr/>
+        <p:nvPr/>
+      </p:nvGrpSpPr>
+      <p:grpSpPr>
+        <a:xfrm>
+          <a:off x="0" y="0"/>
+          <a:ext cx="0" cy="0"/>
+          <a:chOff x="0" y="0"/>
+          <a:chExt cx="0" cy="0"/>
+        </a:xfrm>
+      </p:grpSpPr>
+      <p:sp>
+        <p:nvSpPr>
+          <p:cNvPr id="2" name="Title 1"/>
+          <p:cNvSpPr>
+            <a:spLocks noGrp="1"/>
+          </p:cNvSpPr>
+          <p:nvPr>
+            <p:ph type="title"/>
+          </p:nvPr>
+        </p:nvSpPr>
+        <p:spPr/>
+        <p:txBody>
+          <a:bodyPr/>
+          <a:lstStyle/>
+          <a:p>
+            <a:r>
+              <a:rPr lang="en-US" dirty="0" smtClean="0"/>
+              <a:t>Virtual Memory</a:t>
+            </a:r>
+            <a:endParaRPr lang="en-US" dirty="0"/>
+          </a:p>
+        </p:txBody>
+      </p:sp>
+      <p:sp>
+        <p:nvSpPr>
+          <p:cNvPr id="3" name="Content Placeholder 2"/>
+          <p:cNvSpPr>
+            <a:spLocks noGrp="1"/>
+          </p:cNvSpPr>
+          <p:nvPr>
+            <p:ph idx="1"/>
+          </p:nvPr>
+        </p:nvSpPr>
+        <p:spPr/>
+        <p:txBody>
+          <a:bodyPr/>
+          <a:lstStyle/>
+          <a:p>
+            <a:r>
+              <a:rPr lang="en-US" dirty="0" smtClean="0"/>
+              <a:t>Each process “sees” a flat linear memory</a:t>
+            </a:r>
+          </a:p>
+          <a:p>
+            <a:r>
+              <a:rPr lang="en-US" dirty="0" smtClean="0"/>
+              <a:t>Internally ,virtual memory may be mapped to physical memory but may be stored in disk</a:t>
+            </a:r>
+          </a:p>
+          <a:p>
+            <a:r>
+              <a:rPr lang="en-US" dirty="0" smtClean="0"/>
+              <a:t>Processes access memory regardless of where it actually resides</a:t>
+            </a:r>
+          </a:p>
+          <a:p>
+            <a:pPr lvl="1"/>
+            <a:r>
+              <a:rPr lang="en-US" dirty="0" smtClean="0"/>
+              <a:t>Memory manager handles mapping of virtual -&gt; Physical</a:t>
+            </a:r>
+          </a:p>
+          <a:p>
+            <a:pPr lvl="1"/>
+            <a:r>
+              <a:rPr lang="en-US" dirty="0" smtClean="0"/>
+              <a:t>Processes can’t (and need not) know actual physical address of a given address in virtual memory</a:t>
+            </a:r>
+            <a:endParaRPr lang="en-US" dirty="0"/>
+          </a:p>
+        </p:txBody>
+      </p:sp>
+    </p:spTree>
+    <p:extLst>
+      <p:ext uri="{BB962C8B-B14F-4D97-AF65-F5344CB8AC3E}">
+        <p14:creationId xmlns:p14="http://schemas.microsoft.com/office/powerpoint/2010/main" val="1608226989"/>
+      </p:ext>
+    </p:extLst>
+  </p:cSld>
+  <p:clrMapOvr>
+    <a:masterClrMapping/>
+  </p:clrMapOvr>
+</p:sld>
+</file>
+
+<file path=ppt/slides/slide9.xml><?xml version="1.0" encoding="utf-8"?>
+<p:sld xmlns:a="http://schemas.openxmlformats.org/drawingml/2006/main" xmlns:r="http://schemas.openxmlformats.org/officeDocument/2006/relationships" xmlns:p="http://schemas.openxmlformats.org/presentationml/2006/main">
+  <p:cSld>
+    <p:spTree>
+      <p:nvGrpSpPr>
+        <p:cNvPr id="1" name=""/>
+        <p:cNvGrpSpPr/>
+        <p:nvPr/>
+      </p:nvGrpSpPr>
+      <p:grpSpPr>
+        <a:xfrm>
+          <a:off x="0" y="0"/>
+          <a:ext cx="0" cy="0"/>
+          <a:chOff x="0" y="0"/>
+          <a:chExt cx="0" cy="0"/>
+        </a:xfrm>
+      </p:grpSpPr>
+      <p:sp>
+        <p:nvSpPr>
+          <p:cNvPr id="2" name="Title 1"/>
+          <p:cNvSpPr>
+            <a:spLocks noGrp="1"/>
+          </p:cNvSpPr>
+          <p:nvPr>
+            <p:ph type="title"/>
+          </p:nvPr>
+        </p:nvSpPr>
+        <p:spPr/>
+        <p:txBody>
+          <a:bodyPr/>
+          <a:lstStyle/>
+          <a:p>
+            <a:r>
+              <a:rPr lang="en-US" dirty="0" smtClean="0"/>
               <a:t>Introduction to </a:t>
             </a:r>
             <a:r>
@@ -4161,7 +4468,47 @@
           <a:bodyPr/>
           <a:lstStyle/>
           <a:p>
-            <a:endParaRPr lang="en-US"/>
+            <a:r>
+              <a:rPr lang="en-US" dirty="0"/>
+              <a:t>Starting Processes Under </a:t>
+            </a:r>
+            <a:r>
+              <a:rPr lang="en-US" dirty="0" err="1" smtClean="0"/>
+              <a:t>WinDBG</a:t>
+            </a:r>
+            <a:endParaRPr lang="en-US" dirty="0" smtClean="0"/>
+          </a:p>
+          <a:p>
+            <a:r>
+              <a:rPr lang="en-US" dirty="0"/>
+              <a:t>Attaching to Processes with </a:t>
+            </a:r>
+            <a:r>
+              <a:rPr lang="en-US" dirty="0" err="1" smtClean="0"/>
+              <a:t>WinDBG</a:t>
+            </a:r>
+            <a:endParaRPr lang="en-US" dirty="0" smtClean="0"/>
+          </a:p>
+          <a:p>
+            <a:r>
+              <a:rPr lang="en-US" dirty="0" err="1"/>
+              <a:t>WinDBG</a:t>
+            </a:r>
+            <a:r>
+              <a:rPr lang="en-US" dirty="0"/>
+              <a:t> </a:t>
+            </a:r>
+            <a:r>
+              <a:rPr lang="en-US" dirty="0" smtClean="0"/>
+              <a:t>Commands</a:t>
+            </a:r>
+          </a:p>
+          <a:p>
+            <a:r>
+              <a:rPr lang="en-US" dirty="0" smtClean="0"/>
+              <a:t>Process and Thread internals</a:t>
+            </a:r>
+            <a:endParaRPr lang="en-US" dirty="0"/>
           </a:p>
         </p:txBody>
       </p:sp>
